--- a/OCP17/Chapter 15 - JDBC.pptx
+++ b/OCP17/Chapter 15 - JDBC.pptx
@@ -605,7 +605,7 @@
           </a:lstStyle>
           <a:p>
             <a:fld id="{9ACA2D73-2532-A640-A667-27AB4D0D333F}" type="datetimeFigureOut">
-              <a:t>24/1/26</a:t>
+              <a:t>25/1/26</a:t>
             </a:fld>
             <a:endParaRPr lang="en-VN"/>
           </a:p>
@@ -5192,7 +5192,7 @@
           <a:p>
             <a:fld id="{BAA8DE05-51EE-4692-B197-877FA1DAAAED}" type="datetimeFigureOut">
               <a:rPr lang="en-US" smtClean="0"/>
-              <a:t>1/24/26</a:t>
+              <a:t>1/25/26</a:t>
             </a:fld>
             <a:endParaRPr lang="en-US"/>
           </a:p>
@@ -5390,7 +5390,7 @@
           <a:p>
             <a:fld id="{BAA8DE05-51EE-4692-B197-877FA1DAAAED}" type="datetimeFigureOut">
               <a:rPr lang="en-US" smtClean="0"/>
-              <a:t>1/24/26</a:t>
+              <a:t>1/25/26</a:t>
             </a:fld>
             <a:endParaRPr lang="en-US"/>
           </a:p>
@@ -5598,7 +5598,7 @@
           <a:p>
             <a:fld id="{BAA8DE05-51EE-4692-B197-877FA1DAAAED}" type="datetimeFigureOut">
               <a:rPr lang="en-US" smtClean="0"/>
-              <a:t>1/24/26</a:t>
+              <a:t>1/25/26</a:t>
             </a:fld>
             <a:endParaRPr lang="en-US"/>
           </a:p>
@@ -5796,7 +5796,7 @@
           <a:p>
             <a:fld id="{BAA8DE05-51EE-4692-B197-877FA1DAAAED}" type="datetimeFigureOut">
               <a:rPr lang="en-US" smtClean="0"/>
-              <a:t>1/24/26</a:t>
+              <a:t>1/25/26</a:t>
             </a:fld>
             <a:endParaRPr lang="en-US"/>
           </a:p>
@@ -6071,7 +6071,7 @@
           <a:p>
             <a:fld id="{BAA8DE05-51EE-4692-B197-877FA1DAAAED}" type="datetimeFigureOut">
               <a:rPr lang="en-US" smtClean="0"/>
-              <a:t>1/24/26</a:t>
+              <a:t>1/25/26</a:t>
             </a:fld>
             <a:endParaRPr lang="en-US"/>
           </a:p>
@@ -6336,7 +6336,7 @@
           <a:p>
             <a:fld id="{BAA8DE05-51EE-4692-B197-877FA1DAAAED}" type="datetimeFigureOut">
               <a:rPr lang="en-US" smtClean="0"/>
-              <a:t>1/24/26</a:t>
+              <a:t>1/25/26</a:t>
             </a:fld>
             <a:endParaRPr lang="en-US"/>
           </a:p>
@@ -6748,7 +6748,7 @@
           <a:p>
             <a:fld id="{BAA8DE05-51EE-4692-B197-877FA1DAAAED}" type="datetimeFigureOut">
               <a:rPr lang="en-US" smtClean="0"/>
-              <a:t>1/24/26</a:t>
+              <a:t>1/25/26</a:t>
             </a:fld>
             <a:endParaRPr lang="en-US"/>
           </a:p>
@@ -6889,7 +6889,7 @@
           <a:p>
             <a:fld id="{BAA8DE05-51EE-4692-B197-877FA1DAAAED}" type="datetimeFigureOut">
               <a:rPr lang="en-US" smtClean="0"/>
-              <a:t>1/24/26</a:t>
+              <a:t>1/25/26</a:t>
             </a:fld>
             <a:endParaRPr lang="en-US"/>
           </a:p>
@@ -7002,7 +7002,7 @@
           <a:p>
             <a:fld id="{BAA8DE05-51EE-4692-B197-877FA1DAAAED}" type="datetimeFigureOut">
               <a:rPr lang="en-US" smtClean="0"/>
-              <a:t>1/24/26</a:t>
+              <a:t>1/25/26</a:t>
             </a:fld>
             <a:endParaRPr lang="en-US"/>
           </a:p>
@@ -7313,7 +7313,7 @@
           <a:p>
             <a:fld id="{BAA8DE05-51EE-4692-B197-877FA1DAAAED}" type="datetimeFigureOut">
               <a:rPr lang="en-US" smtClean="0"/>
-              <a:t>1/24/26</a:t>
+              <a:t>1/25/26</a:t>
             </a:fld>
             <a:endParaRPr lang="en-US"/>
           </a:p>
@@ -7601,7 +7601,7 @@
           <a:p>
             <a:fld id="{BAA8DE05-51EE-4692-B197-877FA1DAAAED}" type="datetimeFigureOut">
               <a:rPr lang="en-US" smtClean="0"/>
-              <a:t>1/24/26</a:t>
+              <a:t>1/25/26</a:t>
             </a:fld>
             <a:endParaRPr lang="en-US"/>
           </a:p>
@@ -7842,7 +7842,7 @@
           <a:p>
             <a:fld id="{BAA8DE05-51EE-4692-B197-877FA1DAAAED}" type="datetimeFigureOut">
               <a:rPr lang="en-US" smtClean="0"/>
-              <a:t>1/24/26</a:t>
+              <a:t>1/25/26</a:t>
             </a:fld>
             <a:endParaRPr lang="en-US"/>
           </a:p>
